--- a/Presentation.pptx
+++ b/Presentation.pptx
@@ -7,6 +7,9 @@
   <p:sldIdLst>
     <p:sldId id="256" r:id="rId2"/>
     <p:sldId id="257" r:id="rId3"/>
+    <p:sldId id="260" r:id="rId4"/>
+    <p:sldId id="258" r:id="rId5"/>
+    <p:sldId id="259" r:id="rId6"/>
   </p:sldIdLst>
   <p:sldSz cx="12192000" cy="6858000"/>
   <p:notesSz cx="6858000" cy="9144000"/>
@@ -133,8 +136,8 @@
         </p:nvSpPr>
         <p:spPr>
           <a:xfrm>
-            <a:off x="446534" y="3085765"/>
-            <a:ext cx="11262866" cy="3304800"/>
+            <a:off x="446533" y="3085765"/>
+            <a:ext cx="11262867" cy="3304800"/>
           </a:xfrm>
           <a:prstGeom prst="rect">
             <a:avLst/>
@@ -174,7 +177,7 @@
         </p:nvSpPr>
         <p:spPr>
           <a:xfrm>
-            <a:off x="581191" y="1020431"/>
+            <a:off x="581192" y="1020431"/>
             <a:ext cx="10993549" cy="1475013"/>
           </a:xfrm>
           <a:effectLst/>
@@ -185,7 +188,7 @@
           </a:bodyPr>
           <a:lstStyle>
             <a:lvl1pPr>
-              <a:defRPr sz="3600">
+              <a:defRPr sz="2700">
                 <a:solidFill>
                   <a:schemeClr val="accent1"/>
                 </a:solidFill>
@@ -213,8 +216,8 @@
         </p:nvSpPr>
         <p:spPr>
           <a:xfrm>
-            <a:off x="581194" y="2495445"/>
-            <a:ext cx="10993546" cy="590321"/>
+            <a:off x="581193" y="2495447"/>
+            <a:ext cx="10993547" cy="590321"/>
           </a:xfrm>
         </p:spPr>
         <p:txBody>
@@ -224,13 +227,13 @@
           <a:lstStyle>
             <a:lvl1pPr marL="0" indent="0" algn="l">
               <a:buNone/>
-              <a:defRPr sz="1600" cap="all">
+              <a:defRPr sz="1200" cap="all">
                 <a:solidFill>
                   <a:schemeClr val="accent2"/>
                 </a:solidFill>
               </a:defRPr>
             </a:lvl1pPr>
-            <a:lvl2pPr marL="457200" indent="0" algn="ctr">
+            <a:lvl2pPr marL="342900" indent="0" algn="ctr">
               <a:buNone/>
               <a:defRPr>
                 <a:solidFill>
@@ -240,7 +243,7 @@
                 </a:solidFill>
               </a:defRPr>
             </a:lvl2pPr>
-            <a:lvl3pPr marL="914400" indent="0" algn="ctr">
+            <a:lvl3pPr marL="685800" indent="0" algn="ctr">
               <a:buNone/>
               <a:defRPr>
                 <a:solidFill>
@@ -250,7 +253,7 @@
                 </a:solidFill>
               </a:defRPr>
             </a:lvl3pPr>
-            <a:lvl4pPr marL="1371600" indent="0" algn="ctr">
+            <a:lvl4pPr marL="1028700" indent="0" algn="ctr">
               <a:buNone/>
               <a:defRPr>
                 <a:solidFill>
@@ -260,7 +263,7 @@
                 </a:solidFill>
               </a:defRPr>
             </a:lvl4pPr>
-            <a:lvl5pPr marL="1828800" indent="0" algn="ctr">
+            <a:lvl5pPr marL="1371600" indent="0" algn="ctr">
               <a:buNone/>
               <a:defRPr>
                 <a:solidFill>
@@ -270,7 +273,7 @@
                 </a:solidFill>
               </a:defRPr>
             </a:lvl5pPr>
-            <a:lvl6pPr marL="2286000" indent="0" algn="ctr">
+            <a:lvl6pPr marL="1714500" indent="0" algn="ctr">
               <a:buNone/>
               <a:defRPr>
                 <a:solidFill>
@@ -280,7 +283,7 @@
                 </a:solidFill>
               </a:defRPr>
             </a:lvl6pPr>
-            <a:lvl7pPr marL="2743200" indent="0" algn="ctr">
+            <a:lvl7pPr marL="2057400" indent="0" algn="ctr">
               <a:buNone/>
               <a:defRPr>
                 <a:solidFill>
@@ -290,7 +293,7 @@
                 </a:solidFill>
               </a:defRPr>
             </a:lvl7pPr>
-            <a:lvl8pPr marL="3200400" indent="0" algn="ctr">
+            <a:lvl8pPr marL="2400300" indent="0" algn="ctr">
               <a:buNone/>
               <a:defRPr>
                 <a:solidFill>
@@ -300,7 +303,7 @@
                 </a:solidFill>
               </a:defRPr>
             </a:lvl8pPr>
-            <a:lvl9pPr marL="3657600" indent="0" algn="ctr">
+            <a:lvl9pPr marL="2743200" indent="0" algn="ctr">
               <a:buNone/>
               <a:defRPr>
                 <a:solidFill>
@@ -332,7 +335,7 @@
         </p:nvSpPr>
         <p:spPr>
           <a:xfrm>
-            <a:off x="7605951" y="5956137"/>
+            <a:off x="7605951" y="5956139"/>
             <a:ext cx="2844800" cy="365125"/>
           </a:xfrm>
         </p:spPr>
@@ -372,8 +375,8 @@
         </p:nvSpPr>
         <p:spPr>
           <a:xfrm>
-            <a:off x="581192" y="5951811"/>
-            <a:ext cx="6917210" cy="365125"/>
+            <a:off x="581192" y="5951813"/>
+            <a:ext cx="6917211" cy="365125"/>
           </a:xfrm>
         </p:spPr>
         <p:txBody>
@@ -407,7 +410,7 @@
         </p:nvSpPr>
         <p:spPr>
           <a:xfrm>
-            <a:off x="10558300" y="5956137"/>
+            <a:off x="10558300" y="5956139"/>
             <a:ext cx="1016440" cy="365125"/>
           </a:xfrm>
         </p:spPr>
@@ -470,8 +473,8 @@
         </p:nvSpPr>
         <p:spPr>
           <a:xfrm>
-            <a:off x="440286" y="614407"/>
-            <a:ext cx="11309338" cy="1189298"/>
+            <a:off x="440285" y="614407"/>
+            <a:ext cx="11309339" cy="1189298"/>
           </a:xfrm>
           <a:prstGeom prst="rect">
             <a:avLst/>
@@ -697,7 +700,7 @@
         </p:nvSpPr>
         <p:spPr>
           <a:xfrm>
-            <a:off x="8839201" y="599725"/>
+            <a:off x="8839202" y="599725"/>
             <a:ext cx="2906817" cy="5816950"/>
           </a:xfrm>
           <a:prstGeom prst="rect">
@@ -738,7 +741,7 @@
         </p:nvSpPr>
         <p:spPr>
           <a:xfrm>
-            <a:off x="8839201" y="675726"/>
+            <a:off x="8839202" y="675728"/>
             <a:ext cx="2004164" cy="5183073"/>
           </a:xfrm>
         </p:spPr>
@@ -766,7 +769,7 @@
         </p:nvSpPr>
         <p:spPr>
           <a:xfrm>
-            <a:off x="774923" y="675726"/>
+            <a:off x="774925" y="675728"/>
             <a:ext cx="7896279" cy="5183073"/>
           </a:xfrm>
         </p:spPr>
@@ -823,7 +826,7 @@
         </p:nvSpPr>
         <p:spPr>
           <a:xfrm>
-            <a:off x="8993673" y="5956137"/>
+            <a:off x="8993674" y="5956139"/>
             <a:ext cx="1328141" cy="365125"/>
           </a:xfrm>
         </p:spPr>
@@ -863,7 +866,7 @@
         </p:nvSpPr>
         <p:spPr>
           <a:xfrm>
-            <a:off x="774923" y="5951811"/>
+            <a:off x="774925" y="5951813"/>
             <a:ext cx="7896279" cy="365125"/>
           </a:xfrm>
         </p:spPr>
@@ -887,7 +890,7 @@
         </p:nvSpPr>
         <p:spPr>
           <a:xfrm>
-            <a:off x="10446615" y="5956137"/>
+            <a:off x="10446616" y="5956139"/>
             <a:ext cx="1164195" cy="365125"/>
           </a:xfrm>
         </p:spPr>
@@ -950,8 +953,8 @@
         </p:nvSpPr>
         <p:spPr>
           <a:xfrm>
-            <a:off x="440286" y="614407"/>
-            <a:ext cx="11309338" cy="1189298"/>
+            <a:off x="440285" y="614407"/>
+            <a:ext cx="11309339" cy="1189298"/>
           </a:xfrm>
           <a:prstGeom prst="rect">
             <a:avLst/>
@@ -1019,7 +1022,7 @@
         </p:nvSpPr>
         <p:spPr>
           <a:xfrm>
-            <a:off x="581192" y="2180496"/>
+            <a:off x="581194" y="2180498"/>
             <a:ext cx="11029615" cy="3678303"/>
           </a:xfrm>
         </p:spPr>
@@ -1119,7 +1122,7 @@
         </p:nvSpPr>
         <p:spPr>
           <a:xfrm>
-            <a:off x="10558300" y="5956137"/>
+            <a:off x="10558301" y="5956139"/>
             <a:ext cx="1052508" cy="365125"/>
           </a:xfrm>
         </p:spPr>
@@ -1171,7 +1174,7 @@
         </p:nvSpPr>
         <p:spPr>
           <a:xfrm>
-            <a:off x="447817" y="5141974"/>
+            <a:off x="447818" y="5141976"/>
             <a:ext cx="11290860" cy="1258827"/>
           </a:xfrm>
           <a:prstGeom prst="rect">
@@ -1212,7 +1215,7 @@
         </p:nvSpPr>
         <p:spPr>
           <a:xfrm>
-            <a:off x="581193" y="3043910"/>
+            <a:off x="581194" y="3043912"/>
             <a:ext cx="11029615" cy="1497507"/>
           </a:xfrm>
         </p:spPr>
@@ -1222,7 +1225,7 @@
           </a:bodyPr>
           <a:lstStyle>
             <a:lvl1pPr algn="l">
-              <a:defRPr sz="3600" b="0" cap="all">
+              <a:defRPr sz="2700" b="0" cap="all">
                 <a:solidFill>
                   <a:schemeClr val="accent1"/>
                 </a:solidFill>
@@ -1250,7 +1253,7 @@
         </p:nvSpPr>
         <p:spPr>
           <a:xfrm>
-            <a:off x="581192" y="4541417"/>
+            <a:off x="581194" y="4541417"/>
             <a:ext cx="11029615" cy="600556"/>
           </a:xfrm>
         </p:spPr>
@@ -1261,15 +1264,15 @@
           <a:lstStyle>
             <a:lvl1pPr marL="0" indent="0" algn="l">
               <a:buNone/>
-              <a:defRPr sz="1800" cap="all">
+              <a:defRPr sz="1350" cap="all">
                 <a:solidFill>
                   <a:schemeClr val="accent2"/>
                 </a:solidFill>
               </a:defRPr>
             </a:lvl1pPr>
-            <a:lvl2pPr marL="457200" indent="0">
-              <a:buNone/>
-              <a:defRPr sz="1800">
+            <a:lvl2pPr marL="342900" indent="0">
+              <a:buNone/>
+              <a:defRPr sz="1350">
                 <a:solidFill>
                   <a:schemeClr val="tx1">
                     <a:tint val="75000"/>
@@ -1277,9 +1280,9 @@
                 </a:solidFill>
               </a:defRPr>
             </a:lvl2pPr>
-            <a:lvl3pPr marL="914400" indent="0">
-              <a:buNone/>
-              <a:defRPr sz="1600">
+            <a:lvl3pPr marL="685800" indent="0">
+              <a:buNone/>
+              <a:defRPr sz="1200">
                 <a:solidFill>
                   <a:schemeClr val="tx1">
                     <a:tint val="75000"/>
@@ -1287,9 +1290,9 @@
                 </a:solidFill>
               </a:defRPr>
             </a:lvl3pPr>
-            <a:lvl4pPr marL="1371600" indent="0">
-              <a:buNone/>
-              <a:defRPr sz="1400">
+            <a:lvl4pPr marL="1028700" indent="0">
+              <a:buNone/>
+              <a:defRPr sz="1050">
                 <a:solidFill>
                   <a:schemeClr val="tx1">
                     <a:tint val="75000"/>
@@ -1297,9 +1300,9 @@
                 </a:solidFill>
               </a:defRPr>
             </a:lvl4pPr>
-            <a:lvl5pPr marL="1828800" indent="0">
-              <a:buNone/>
-              <a:defRPr sz="1400">
+            <a:lvl5pPr marL="1371600" indent="0">
+              <a:buNone/>
+              <a:defRPr sz="1050">
                 <a:solidFill>
                   <a:schemeClr val="tx1">
                     <a:tint val="75000"/>
@@ -1307,9 +1310,9 @@
                 </a:solidFill>
               </a:defRPr>
             </a:lvl5pPr>
-            <a:lvl6pPr marL="2286000" indent="0">
-              <a:buNone/>
-              <a:defRPr sz="1400">
+            <a:lvl6pPr marL="1714500" indent="0">
+              <a:buNone/>
+              <a:defRPr sz="1050">
                 <a:solidFill>
                   <a:schemeClr val="tx1">
                     <a:tint val="75000"/>
@@ -1317,9 +1320,9 @@
                 </a:solidFill>
               </a:defRPr>
             </a:lvl6pPr>
-            <a:lvl7pPr marL="2743200" indent="0">
-              <a:buNone/>
-              <a:defRPr sz="1400">
+            <a:lvl7pPr marL="2057400" indent="0">
+              <a:buNone/>
+              <a:defRPr sz="1050">
                 <a:solidFill>
                   <a:schemeClr val="tx1">
                     <a:tint val="75000"/>
@@ -1327,9 +1330,9 @@
                 </a:solidFill>
               </a:defRPr>
             </a:lvl7pPr>
-            <a:lvl8pPr marL="3200400" indent="0">
-              <a:buNone/>
-              <a:defRPr sz="1400">
+            <a:lvl8pPr marL="2400300" indent="0">
+              <a:buNone/>
+              <a:defRPr sz="1050">
                 <a:solidFill>
                   <a:schemeClr val="tx1">
                     <a:tint val="75000"/>
@@ -1337,9 +1340,9 @@
                 </a:solidFill>
               </a:defRPr>
             </a:lvl8pPr>
-            <a:lvl9pPr marL="3657600" indent="0">
-              <a:buNone/>
-              <a:defRPr sz="1400">
+            <a:lvl9pPr marL="2743200" indent="0">
+              <a:buNone/>
+              <a:defRPr sz="1050">
                 <a:solidFill>
                   <a:schemeClr val="tx1">
                     <a:tint val="75000"/>
@@ -1492,7 +1495,7 @@
         </p:nvSpPr>
         <p:spPr>
           <a:xfrm>
-            <a:off x="445982" y="606554"/>
+            <a:off x="445983" y="606556"/>
             <a:ext cx="11300036" cy="1258827"/>
           </a:xfrm>
           <a:prstGeom prst="rect">
@@ -1561,8 +1564,8 @@
         </p:nvSpPr>
         <p:spPr>
           <a:xfrm>
-            <a:off x="581193" y="2228003"/>
-            <a:ext cx="5422390" cy="3633047"/>
+            <a:off x="581194" y="2228004"/>
+            <a:ext cx="5422391" cy="3633047"/>
           </a:xfrm>
         </p:spPr>
         <p:txBody>
@@ -1620,7 +1623,7 @@
         </p:nvSpPr>
         <p:spPr>
           <a:xfrm>
-            <a:off x="6188417" y="2228003"/>
+            <a:off x="6188417" y="2228004"/>
             <a:ext cx="5422392" cy="3633047"/>
           </a:xfrm>
         </p:spPr>
@@ -1769,7 +1772,7 @@
         </p:nvSpPr>
         <p:spPr>
           <a:xfrm>
-            <a:off x="445982" y="606554"/>
+            <a:off x="445983" y="606556"/>
             <a:ext cx="11300036" cy="1258827"/>
           </a:xfrm>
           <a:prstGeom prst="rect">
@@ -1838,7 +1841,7 @@
         </p:nvSpPr>
         <p:spPr>
           <a:xfrm>
-            <a:off x="887219" y="2250892"/>
+            <a:off x="887220" y="2250894"/>
             <a:ext cx="5087075" cy="536005"/>
           </a:xfrm>
         </p:spPr>
@@ -1849,43 +1852,43 @@
           <a:lstStyle>
             <a:lvl1pPr marL="0" indent="0">
               <a:buNone/>
-              <a:defRPr sz="2200" b="0">
+              <a:defRPr sz="1650" b="0">
                 <a:solidFill>
                   <a:schemeClr val="accent2"/>
                 </a:solidFill>
               </a:defRPr>
             </a:lvl1pPr>
-            <a:lvl2pPr marL="457200" indent="0">
-              <a:buNone/>
-              <a:defRPr sz="2000" b="1"/>
+            <a:lvl2pPr marL="342900" indent="0">
+              <a:buNone/>
+              <a:defRPr sz="1500" b="1"/>
             </a:lvl2pPr>
-            <a:lvl3pPr marL="914400" indent="0">
-              <a:buNone/>
-              <a:defRPr sz="1800" b="1"/>
+            <a:lvl3pPr marL="685800" indent="0">
+              <a:buNone/>
+              <a:defRPr sz="1350" b="1"/>
             </a:lvl3pPr>
-            <a:lvl4pPr marL="1371600" indent="0">
-              <a:buNone/>
-              <a:defRPr sz="1600" b="1"/>
+            <a:lvl4pPr marL="1028700" indent="0">
+              <a:buNone/>
+              <a:defRPr sz="1200" b="1"/>
             </a:lvl4pPr>
-            <a:lvl5pPr marL="1828800" indent="0">
-              <a:buNone/>
-              <a:defRPr sz="1600" b="1"/>
+            <a:lvl5pPr marL="1371600" indent="0">
+              <a:buNone/>
+              <a:defRPr sz="1200" b="1"/>
             </a:lvl5pPr>
-            <a:lvl6pPr marL="2286000" indent="0">
-              <a:buNone/>
-              <a:defRPr sz="1600" b="1"/>
+            <a:lvl6pPr marL="1714500" indent="0">
+              <a:buNone/>
+              <a:defRPr sz="1200" b="1"/>
             </a:lvl6pPr>
-            <a:lvl7pPr marL="2743200" indent="0">
-              <a:buNone/>
-              <a:defRPr sz="1600" b="1"/>
+            <a:lvl7pPr marL="2057400" indent="0">
+              <a:buNone/>
+              <a:defRPr sz="1200" b="1"/>
             </a:lvl7pPr>
-            <a:lvl8pPr marL="3200400" indent="0">
-              <a:buNone/>
-              <a:defRPr sz="1600" b="1"/>
+            <a:lvl8pPr marL="2400300" indent="0">
+              <a:buNone/>
+              <a:defRPr sz="1200" b="1"/>
             </a:lvl8pPr>
-            <a:lvl9pPr marL="3657600" indent="0">
-              <a:buNone/>
-              <a:defRPr sz="1600" b="1"/>
+            <a:lvl9pPr marL="2743200" indent="0">
+              <a:buNone/>
+              <a:defRPr sz="1200" b="1"/>
             </a:lvl9pPr>
           </a:lstStyle>
           <a:p>
@@ -1909,7 +1912,7 @@
         </p:nvSpPr>
         <p:spPr>
           <a:xfrm>
-            <a:off x="581194" y="2926052"/>
+            <a:off x="581195" y="2926054"/>
             <a:ext cx="5393100" cy="2934999"/>
           </a:xfrm>
         </p:spPr>
@@ -1968,7 +1971,7 @@
         </p:nvSpPr>
         <p:spPr>
           <a:xfrm>
-            <a:off x="6523735" y="2250892"/>
+            <a:off x="6523737" y="2250894"/>
             <a:ext cx="5087073" cy="553373"/>
           </a:xfrm>
         </p:spPr>
@@ -1979,43 +1982,43 @@
           <a:lstStyle>
             <a:lvl1pPr marL="0" indent="0">
               <a:buNone/>
-              <a:defRPr sz="2200" b="0">
+              <a:defRPr sz="1650" b="0">
                 <a:solidFill>
                   <a:schemeClr val="accent2"/>
                 </a:solidFill>
               </a:defRPr>
             </a:lvl1pPr>
-            <a:lvl2pPr marL="457200" indent="0">
-              <a:buNone/>
-              <a:defRPr sz="2000" b="1"/>
+            <a:lvl2pPr marL="342900" indent="0">
+              <a:buNone/>
+              <a:defRPr sz="1500" b="1"/>
             </a:lvl2pPr>
-            <a:lvl3pPr marL="914400" indent="0">
-              <a:buNone/>
-              <a:defRPr sz="1800" b="1"/>
+            <a:lvl3pPr marL="685800" indent="0">
+              <a:buNone/>
+              <a:defRPr sz="1350" b="1"/>
             </a:lvl3pPr>
-            <a:lvl4pPr marL="1371600" indent="0">
-              <a:buNone/>
-              <a:defRPr sz="1600" b="1"/>
+            <a:lvl4pPr marL="1028700" indent="0">
+              <a:buNone/>
+              <a:defRPr sz="1200" b="1"/>
             </a:lvl4pPr>
-            <a:lvl5pPr marL="1828800" indent="0">
-              <a:buNone/>
-              <a:defRPr sz="1600" b="1"/>
+            <a:lvl5pPr marL="1371600" indent="0">
+              <a:buNone/>
+              <a:defRPr sz="1200" b="1"/>
             </a:lvl5pPr>
-            <a:lvl6pPr marL="2286000" indent="0">
-              <a:buNone/>
-              <a:defRPr sz="1600" b="1"/>
+            <a:lvl6pPr marL="1714500" indent="0">
+              <a:buNone/>
+              <a:defRPr sz="1200" b="1"/>
             </a:lvl6pPr>
-            <a:lvl7pPr marL="2743200" indent="0">
-              <a:buNone/>
-              <a:defRPr sz="1600" b="1"/>
+            <a:lvl7pPr marL="2057400" indent="0">
+              <a:buNone/>
+              <a:defRPr sz="1200" b="1"/>
             </a:lvl7pPr>
-            <a:lvl8pPr marL="3200400" indent="0">
-              <a:buNone/>
-              <a:defRPr sz="1600" b="1"/>
+            <a:lvl8pPr marL="2400300" indent="0">
+              <a:buNone/>
+              <a:defRPr sz="1200" b="1"/>
             </a:lvl8pPr>
-            <a:lvl9pPr marL="3657600" indent="0">
-              <a:buNone/>
-              <a:defRPr sz="1600" b="1"/>
+            <a:lvl9pPr marL="2743200" indent="0">
+              <a:buNone/>
+              <a:defRPr sz="1200" b="1"/>
             </a:lvl9pPr>
           </a:lstStyle>
           <a:p>
@@ -2039,7 +2042,7 @@
         </p:nvSpPr>
         <p:spPr>
           <a:xfrm>
-            <a:off x="6217709" y="2926052"/>
+            <a:off x="6217710" y="2926054"/>
             <a:ext cx="5393100" cy="2934999"/>
           </a:xfrm>
         </p:spPr>
@@ -2188,7 +2191,7 @@
         </p:nvSpPr>
         <p:spPr>
           <a:xfrm>
-            <a:off x="440683" y="606554"/>
+            <a:off x="440683" y="606556"/>
             <a:ext cx="11300036" cy="1258827"/>
           </a:xfrm>
           <a:prstGeom prst="rect">
@@ -2229,7 +2232,7 @@
         </p:nvSpPr>
         <p:spPr>
           <a:xfrm>
-            <a:off x="575894" y="729658"/>
+            <a:off x="575895" y="729658"/>
             <a:ext cx="11029616" cy="988332"/>
           </a:xfrm>
         </p:spPr>
@@ -2488,7 +2491,7 @@
           <a:bodyPr anchor="ctr"/>
           <a:lstStyle>
             <a:lvl1pPr algn="l">
-              <a:defRPr sz="2000" b="0">
+              <a:defRPr sz="1500" b="0">
                 <a:solidFill>
                   <a:schemeClr val="accent1">
                     <a:lumMod val="75000"/>
@@ -2529,63 +2532,63 @@
           </a:bodyPr>
           <a:lstStyle>
             <a:lvl1pPr>
-              <a:defRPr sz="2000">
+              <a:defRPr sz="1500">
                 <a:solidFill>
                   <a:schemeClr val="tx2"/>
                 </a:solidFill>
               </a:defRPr>
             </a:lvl1pPr>
             <a:lvl2pPr>
-              <a:defRPr sz="1800">
+              <a:defRPr sz="1350">
                 <a:solidFill>
                   <a:schemeClr val="tx2"/>
                 </a:solidFill>
               </a:defRPr>
             </a:lvl2pPr>
             <a:lvl3pPr>
-              <a:defRPr sz="1600">
+              <a:defRPr sz="1200">
                 <a:solidFill>
                   <a:schemeClr val="tx2"/>
                 </a:solidFill>
               </a:defRPr>
             </a:lvl3pPr>
             <a:lvl4pPr>
-              <a:defRPr sz="1400">
+              <a:defRPr sz="1050">
                 <a:solidFill>
                   <a:schemeClr val="tx2"/>
                 </a:solidFill>
               </a:defRPr>
             </a:lvl4pPr>
             <a:lvl5pPr>
-              <a:defRPr sz="1400">
+              <a:defRPr sz="1050">
                 <a:solidFill>
                   <a:schemeClr val="tx2"/>
                 </a:solidFill>
               </a:defRPr>
             </a:lvl5pPr>
             <a:lvl6pPr>
-              <a:defRPr sz="1400">
+              <a:defRPr sz="1050">
                 <a:solidFill>
                   <a:schemeClr val="tx2"/>
                 </a:solidFill>
               </a:defRPr>
             </a:lvl6pPr>
             <a:lvl7pPr>
-              <a:defRPr sz="1400">
+              <a:defRPr sz="1050">
                 <a:solidFill>
                   <a:schemeClr val="tx2"/>
                 </a:solidFill>
               </a:defRPr>
             </a:lvl7pPr>
             <a:lvl8pPr>
-              <a:defRPr sz="1400">
+              <a:defRPr sz="1050">
                 <a:solidFill>
                   <a:schemeClr val="tx2"/>
                 </a:solidFill>
               </a:defRPr>
             </a:lvl8pPr>
             <a:lvl9pPr>
-              <a:defRPr sz="1400">
+              <a:defRPr sz="1050">
                 <a:solidFill>
                   <a:schemeClr val="tx2"/>
                 </a:solidFill>
@@ -2642,7 +2645,7 @@
         </p:nvSpPr>
         <p:spPr>
           <a:xfrm>
-            <a:off x="5740823" y="5262296"/>
+            <a:off x="5740824" y="5262298"/>
             <a:ext cx="5869987" cy="689515"/>
           </a:xfrm>
         </p:spPr>
@@ -2653,43 +2656,43 @@
           <a:lstStyle>
             <a:lvl1pPr marL="0" indent="0" algn="r">
               <a:buNone/>
-              <a:defRPr sz="1100">
+              <a:defRPr sz="825">
                 <a:solidFill>
                   <a:schemeClr val="bg1"/>
                 </a:solidFill>
               </a:defRPr>
             </a:lvl1pPr>
-            <a:lvl2pPr marL="457200" indent="0">
-              <a:buNone/>
-              <a:defRPr sz="1100"/>
+            <a:lvl2pPr marL="342900" indent="0">
+              <a:buNone/>
+              <a:defRPr sz="825"/>
             </a:lvl2pPr>
-            <a:lvl3pPr marL="914400" indent="0">
-              <a:buNone/>
-              <a:defRPr sz="1000"/>
+            <a:lvl3pPr marL="685800" indent="0">
+              <a:buNone/>
+              <a:defRPr sz="750"/>
             </a:lvl3pPr>
-            <a:lvl4pPr marL="1371600" indent="0">
-              <a:buNone/>
-              <a:defRPr sz="900"/>
+            <a:lvl4pPr marL="1028700" indent="0">
+              <a:buNone/>
+              <a:defRPr sz="675"/>
             </a:lvl4pPr>
-            <a:lvl5pPr marL="1828800" indent="0">
-              <a:buNone/>
-              <a:defRPr sz="900"/>
+            <a:lvl5pPr marL="1371600" indent="0">
+              <a:buNone/>
+              <a:defRPr sz="675"/>
             </a:lvl5pPr>
-            <a:lvl6pPr marL="2286000" indent="0">
-              <a:buNone/>
-              <a:defRPr sz="900"/>
+            <a:lvl6pPr marL="1714500" indent="0">
+              <a:buNone/>
+              <a:defRPr sz="675"/>
             </a:lvl6pPr>
-            <a:lvl7pPr marL="2743200" indent="0">
-              <a:buNone/>
-              <a:defRPr sz="900"/>
+            <a:lvl7pPr marL="2057400" indent="0">
+              <a:buNone/>
+              <a:defRPr sz="675"/>
             </a:lvl7pPr>
-            <a:lvl8pPr marL="3200400" indent="0">
-              <a:buNone/>
-              <a:defRPr sz="900"/>
+            <a:lvl8pPr marL="2400300" indent="0">
+              <a:buNone/>
+              <a:defRPr sz="675"/>
             </a:lvl8pPr>
-            <a:lvl9pPr marL="3657600" indent="0">
-              <a:buNone/>
-              <a:defRPr sz="900"/>
+            <a:lvl9pPr marL="2743200" indent="0">
+              <a:buNone/>
+              <a:defRPr sz="675"/>
             </a:lvl9pPr>
           </a:lstStyle>
           <a:p>
@@ -2848,7 +2851,7 @@
           </a:bodyPr>
           <a:lstStyle>
             <a:lvl1pPr algn="l">
-              <a:defRPr sz="2400" b="0">
+              <a:defRPr sz="1800" b="0">
                 <a:solidFill>
                   <a:schemeClr val="accent1"/>
                 </a:solidFill>
@@ -2887,39 +2890,39 @@
           <a:lstStyle>
             <a:lvl1pPr marL="0" indent="0" algn="ctr">
               <a:buNone/>
-              <a:defRPr sz="1600"/>
+              <a:defRPr sz="1200"/>
             </a:lvl1pPr>
-            <a:lvl2pPr marL="457200" indent="0">
-              <a:buNone/>
-              <a:defRPr sz="1600"/>
+            <a:lvl2pPr marL="342900" indent="0">
+              <a:buNone/>
+              <a:defRPr sz="1200"/>
             </a:lvl2pPr>
-            <a:lvl3pPr marL="914400" indent="0">
-              <a:buNone/>
-              <a:defRPr sz="1600"/>
+            <a:lvl3pPr marL="685800" indent="0">
+              <a:buNone/>
+              <a:defRPr sz="1200"/>
             </a:lvl3pPr>
-            <a:lvl4pPr marL="1371600" indent="0">
-              <a:buNone/>
-              <a:defRPr sz="1600"/>
+            <a:lvl4pPr marL="1028700" indent="0">
+              <a:buNone/>
+              <a:defRPr sz="1200"/>
             </a:lvl4pPr>
-            <a:lvl5pPr marL="1828800" indent="0">
-              <a:buNone/>
-              <a:defRPr sz="1600"/>
+            <a:lvl5pPr marL="1371600" indent="0">
+              <a:buNone/>
+              <a:defRPr sz="1200"/>
             </a:lvl5pPr>
-            <a:lvl6pPr marL="2286000" indent="0">
-              <a:buNone/>
-              <a:defRPr sz="1600"/>
+            <a:lvl6pPr marL="1714500" indent="0">
+              <a:buNone/>
+              <a:defRPr sz="1200"/>
             </a:lvl6pPr>
-            <a:lvl7pPr marL="2743200" indent="0">
-              <a:buNone/>
-              <a:defRPr sz="1600"/>
+            <a:lvl7pPr marL="2057400" indent="0">
+              <a:buNone/>
+              <a:defRPr sz="1200"/>
             </a:lvl7pPr>
-            <a:lvl8pPr marL="3200400" indent="0">
-              <a:buNone/>
-              <a:defRPr sz="1600"/>
+            <a:lvl8pPr marL="2400300" indent="0">
+              <a:buNone/>
+              <a:defRPr sz="1200"/>
             </a:lvl8pPr>
-            <a:lvl9pPr marL="3657600" indent="0">
-              <a:buNone/>
-              <a:defRPr sz="1600"/>
+            <a:lvl9pPr marL="2743200" indent="0">
+              <a:buNone/>
+              <a:defRPr sz="1200"/>
             </a:lvl9pPr>
           </a:lstStyle>
           <a:p>
@@ -2943,7 +2946,7 @@
         </p:nvSpPr>
         <p:spPr>
           <a:xfrm>
-            <a:off x="581192" y="5260127"/>
+            <a:off x="581193" y="5260129"/>
             <a:ext cx="11029617" cy="598671"/>
           </a:xfrm>
         </p:spPr>
@@ -2954,39 +2957,39 @@
           <a:lstStyle>
             <a:lvl1pPr marL="0" indent="0">
               <a:buNone/>
-              <a:defRPr sz="1200"/>
+              <a:defRPr sz="900"/>
             </a:lvl1pPr>
-            <a:lvl2pPr marL="457200" indent="0">
-              <a:buNone/>
-              <a:defRPr sz="1200"/>
+            <a:lvl2pPr marL="342900" indent="0">
+              <a:buNone/>
+              <a:defRPr sz="900"/>
             </a:lvl2pPr>
-            <a:lvl3pPr marL="914400" indent="0">
-              <a:buNone/>
-              <a:defRPr sz="1000"/>
+            <a:lvl3pPr marL="685800" indent="0">
+              <a:buNone/>
+              <a:defRPr sz="750"/>
             </a:lvl3pPr>
-            <a:lvl4pPr marL="1371600" indent="0">
-              <a:buNone/>
-              <a:defRPr sz="900"/>
+            <a:lvl4pPr marL="1028700" indent="0">
+              <a:buNone/>
+              <a:defRPr sz="675"/>
             </a:lvl4pPr>
-            <a:lvl5pPr marL="1828800" indent="0">
-              <a:buNone/>
-              <a:defRPr sz="900"/>
+            <a:lvl5pPr marL="1371600" indent="0">
+              <a:buNone/>
+              <a:defRPr sz="675"/>
             </a:lvl5pPr>
-            <a:lvl6pPr marL="2286000" indent="0">
-              <a:buNone/>
-              <a:defRPr sz="900"/>
+            <a:lvl6pPr marL="1714500" indent="0">
+              <a:buNone/>
+              <a:defRPr sz="675"/>
             </a:lvl6pPr>
-            <a:lvl7pPr marL="2743200" indent="0">
-              <a:buNone/>
-              <a:defRPr sz="900"/>
+            <a:lvl7pPr marL="2057400" indent="0">
+              <a:buNone/>
+              <a:defRPr sz="675"/>
             </a:lvl7pPr>
-            <a:lvl8pPr marL="3200400" indent="0">
-              <a:buNone/>
-              <a:defRPr sz="900"/>
+            <a:lvl8pPr marL="2400300" indent="0">
+              <a:buNone/>
+              <a:defRPr sz="675"/>
             </a:lvl8pPr>
-            <a:lvl9pPr marL="3657600" indent="0">
-              <a:buNone/>
-              <a:defRPr sz="900"/>
+            <a:lvl9pPr marL="2743200" indent="0">
+              <a:buNone/>
+              <a:defRPr sz="675"/>
             </a:lvl9pPr>
           </a:lstStyle>
           <a:p>
@@ -3202,7 +3205,7 @@
         </p:nvSpPr>
         <p:spPr>
           <a:xfrm>
-            <a:off x="7605951" y="5956137"/>
+            <a:off x="7605953" y="5956139"/>
             <a:ext cx="2844799" cy="365125"/>
           </a:xfrm>
           <a:prstGeom prst="rect">
@@ -3213,7 +3216,7 @@
           <a:bodyPr vert="horz" lIns="91440" tIns="45720" rIns="91440" bIns="45720" rtlCol="0" anchor="ctr"/>
           <a:lstStyle>
             <a:lvl1pPr algn="r">
-              <a:defRPr sz="900">
+              <a:defRPr sz="675">
                 <a:solidFill>
                   <a:schemeClr val="accent2"/>
                 </a:solidFill>
@@ -3242,8 +3245,8 @@
         </p:nvSpPr>
         <p:spPr>
           <a:xfrm>
-            <a:off x="581192" y="5951811"/>
-            <a:ext cx="6917210" cy="365125"/>
+            <a:off x="581192" y="5951813"/>
+            <a:ext cx="6917211" cy="365125"/>
           </a:xfrm>
           <a:prstGeom prst="rect">
             <a:avLst/>
@@ -3253,7 +3256,7 @@
           <a:bodyPr vert="horz" lIns="91440" tIns="45720" rIns="91440" bIns="45720" rtlCol="0" anchor="ctr"/>
           <a:lstStyle>
             <a:lvl1pPr algn="l">
-              <a:defRPr sz="900" cap="all">
+              <a:defRPr sz="675" cap="all">
                 <a:solidFill>
                   <a:schemeClr val="accent2"/>
                 </a:solidFill>
@@ -3277,8 +3280,8 @@
         </p:nvSpPr>
         <p:spPr>
           <a:xfrm>
-            <a:off x="10558300" y="5956137"/>
-            <a:ext cx="1052510" cy="365125"/>
+            <a:off x="10558301" y="5956139"/>
+            <a:ext cx="1052511" cy="365125"/>
           </a:xfrm>
           <a:prstGeom prst="rect">
             <a:avLst/>
@@ -3288,7 +3291,7 @@
           <a:bodyPr vert="horz" lIns="91440" tIns="45720" rIns="91440" bIns="45720" rtlCol="0" anchor="ctr"/>
           <a:lstStyle>
             <a:lvl1pPr algn="r">
-              <a:defRPr sz="900">
+              <a:defRPr sz="675">
                 <a:solidFill>
                   <a:schemeClr val="accent2"/>
                 </a:solidFill>
@@ -3313,7 +3316,7 @@
         </p:nvSpPr>
         <p:spPr>
           <a:xfrm>
-            <a:off x="446534" y="457200"/>
+            <a:off x="446535" y="457200"/>
             <a:ext cx="3703320" cy="94997"/>
           </a:xfrm>
           <a:prstGeom prst="rect">
@@ -3387,7 +3390,7 @@
         </p:nvSpPr>
         <p:spPr>
           <a:xfrm>
-            <a:off x="4241830" y="457200"/>
+            <a:off x="4241831" y="457200"/>
             <a:ext cx="3703320" cy="91440"/>
           </a:xfrm>
           <a:prstGeom prst="rect">
@@ -3434,12 +3437,12 @@
   </p:sldLayoutIdLst>
   <p:txStyles>
     <p:titleStyle>
-      <a:lvl1pPr algn="l" defTabSz="457200" rtl="0" eaLnBrk="1" latinLnBrk="0" hangingPunct="1">
+      <a:lvl1pPr algn="l" defTabSz="342900" rtl="0" eaLnBrk="1" latinLnBrk="0" hangingPunct="1">
         <a:spcBef>
           <a:spcPct val="0"/>
         </a:spcBef>
         <a:buNone/>
-        <a:defRPr sz="2800" b="0" kern="1200" cap="all">
+        <a:defRPr sz="2100" b="0" kern="1200" cap="all">
           <a:solidFill>
             <a:schemeClr val="bg1"/>
           </a:solidFill>
@@ -3506,12 +3509,12 @@
       </a:lvl9pPr>
     </p:titleStyle>
     <p:bodyStyle>
-      <a:lvl1pPr marL="306000" indent="-306000" algn="l" defTabSz="457200" rtl="0" eaLnBrk="1" latinLnBrk="0" hangingPunct="1">
+      <a:lvl1pPr marL="229500" indent="-229500" algn="l" defTabSz="342900" rtl="0" eaLnBrk="1" latinLnBrk="0" hangingPunct="1">
         <a:spcBef>
           <a:spcPct val="20000"/>
         </a:spcBef>
         <a:spcAft>
-          <a:spcPts val="600"/>
+          <a:spcPts val="450"/>
         </a:spcAft>
         <a:buClr>
           <a:schemeClr val="accent2"/>
@@ -3519,7 +3522,7 @@
         <a:buSzPct val="92000"/>
         <a:buFont typeface="Wingdings 2" panose="05020102010507070707" pitchFamily="18" charset="2"/>
         <a:buChar char=""/>
-        <a:defRPr sz="1800" kern="1200">
+        <a:defRPr sz="1350" kern="1200">
           <a:solidFill>
             <a:schemeClr val="tx2"/>
           </a:solidFill>
@@ -3528,56 +3531,12 @@
           <a:cs typeface="+mn-cs"/>
         </a:defRPr>
       </a:lvl1pPr>
-      <a:lvl2pPr marL="630000" indent="-306000" algn="l" defTabSz="457200" rtl="0" eaLnBrk="1" latinLnBrk="0" hangingPunct="1">
+      <a:lvl2pPr marL="472500" indent="-229500" algn="l" defTabSz="342900" rtl="0" eaLnBrk="1" latinLnBrk="0" hangingPunct="1">
         <a:spcBef>
           <a:spcPct val="20000"/>
         </a:spcBef>
         <a:spcAft>
-          <a:spcPts val="600"/>
-        </a:spcAft>
-        <a:buClr>
-          <a:schemeClr val="accent2"/>
-        </a:buClr>
-        <a:buSzPct val="92000"/>
-        <a:buFont typeface="Wingdings 2" panose="05020102010507070707" pitchFamily="18" charset="2"/>
-        <a:buChar char=""/>
-        <a:defRPr sz="1600" kern="1200">
-          <a:solidFill>
-            <a:schemeClr val="tx2"/>
-          </a:solidFill>
-          <a:latin typeface="+mn-lt"/>
-          <a:ea typeface="+mn-ea"/>
-          <a:cs typeface="+mn-cs"/>
-        </a:defRPr>
-      </a:lvl2pPr>
-      <a:lvl3pPr marL="900000" indent="-270000" algn="l" defTabSz="457200" rtl="0" eaLnBrk="1" latinLnBrk="0" hangingPunct="1">
-        <a:spcBef>
-          <a:spcPct val="20000"/>
-        </a:spcBef>
-        <a:spcAft>
-          <a:spcPts val="600"/>
-        </a:spcAft>
-        <a:buClr>
-          <a:schemeClr val="accent2"/>
-        </a:buClr>
-        <a:buSzPct val="92000"/>
-        <a:buFont typeface="Wingdings 2" panose="05020102010507070707" pitchFamily="18" charset="2"/>
-        <a:buChar char=""/>
-        <a:defRPr sz="1400" kern="1200">
-          <a:solidFill>
-            <a:schemeClr val="tx2"/>
-          </a:solidFill>
-          <a:latin typeface="+mn-lt"/>
-          <a:ea typeface="+mn-ea"/>
-          <a:cs typeface="+mn-cs"/>
-        </a:defRPr>
-      </a:lvl3pPr>
-      <a:lvl4pPr marL="1242000" indent="-234000" algn="l" defTabSz="457200" rtl="0" eaLnBrk="1" latinLnBrk="0" hangingPunct="1">
-        <a:spcBef>
-          <a:spcPct val="20000"/>
-        </a:spcBef>
-        <a:spcAft>
-          <a:spcPts val="600"/>
+          <a:spcPts val="450"/>
         </a:spcAft>
         <a:buClr>
           <a:schemeClr val="accent2"/>
@@ -3593,13 +3552,13 @@
           <a:ea typeface="+mn-ea"/>
           <a:cs typeface="+mn-cs"/>
         </a:defRPr>
-      </a:lvl4pPr>
-      <a:lvl5pPr marL="1602000" indent="-234000" algn="l" defTabSz="457200" rtl="0" eaLnBrk="1" latinLnBrk="0" hangingPunct="1">
+      </a:lvl2pPr>
+      <a:lvl3pPr marL="675000" indent="-202500" algn="l" defTabSz="342900" rtl="0" eaLnBrk="1" latinLnBrk="0" hangingPunct="1">
         <a:spcBef>
           <a:spcPct val="20000"/>
         </a:spcBef>
         <a:spcAft>
-          <a:spcPts val="600"/>
+          <a:spcPts val="450"/>
         </a:spcAft>
         <a:buClr>
           <a:schemeClr val="accent2"/>
@@ -3607,7 +3566,51 @@
         <a:buSzPct val="92000"/>
         <a:buFont typeface="Wingdings 2" panose="05020102010507070707" pitchFamily="18" charset="2"/>
         <a:buChar char=""/>
-        <a:defRPr sz="1200" kern="1200">
+        <a:defRPr sz="1050" kern="1200">
+          <a:solidFill>
+            <a:schemeClr val="tx2"/>
+          </a:solidFill>
+          <a:latin typeface="+mn-lt"/>
+          <a:ea typeface="+mn-ea"/>
+          <a:cs typeface="+mn-cs"/>
+        </a:defRPr>
+      </a:lvl3pPr>
+      <a:lvl4pPr marL="931500" indent="-175500" algn="l" defTabSz="342900" rtl="0" eaLnBrk="1" latinLnBrk="0" hangingPunct="1">
+        <a:spcBef>
+          <a:spcPct val="20000"/>
+        </a:spcBef>
+        <a:spcAft>
+          <a:spcPts val="450"/>
+        </a:spcAft>
+        <a:buClr>
+          <a:schemeClr val="accent2"/>
+        </a:buClr>
+        <a:buSzPct val="92000"/>
+        <a:buFont typeface="Wingdings 2" panose="05020102010507070707" pitchFamily="18" charset="2"/>
+        <a:buChar char=""/>
+        <a:defRPr sz="900" kern="1200">
+          <a:solidFill>
+            <a:schemeClr val="tx2"/>
+          </a:solidFill>
+          <a:latin typeface="+mn-lt"/>
+          <a:ea typeface="+mn-ea"/>
+          <a:cs typeface="+mn-cs"/>
+        </a:defRPr>
+      </a:lvl4pPr>
+      <a:lvl5pPr marL="1201500" indent="-175500" algn="l" defTabSz="342900" rtl="0" eaLnBrk="1" latinLnBrk="0" hangingPunct="1">
+        <a:spcBef>
+          <a:spcPct val="20000"/>
+        </a:spcBef>
+        <a:spcAft>
+          <a:spcPts val="450"/>
+        </a:spcAft>
+        <a:buClr>
+          <a:schemeClr val="accent2"/>
+        </a:buClr>
+        <a:buSzPct val="92000"/>
+        <a:buFont typeface="Wingdings 2" panose="05020102010507070707" pitchFamily="18" charset="2"/>
+        <a:buChar char=""/>
+        <a:defRPr sz="900" kern="1200">
           <a:solidFill>
             <a:schemeClr val="tx2"/>
           </a:solidFill>
@@ -3616,12 +3619,12 @@
           <a:cs typeface="+mn-cs"/>
         </a:defRPr>
       </a:lvl5pPr>
-      <a:lvl6pPr marL="1900000" indent="-228600" algn="l" defTabSz="457200" rtl="0" eaLnBrk="1" latinLnBrk="0" hangingPunct="1">
+      <a:lvl6pPr marL="1425000" indent="-171450" algn="l" defTabSz="342900" rtl="0" eaLnBrk="1" latinLnBrk="0" hangingPunct="1">
         <a:spcBef>
           <a:spcPct val="20000"/>
         </a:spcBef>
         <a:spcAft>
-          <a:spcPts val="600"/>
+          <a:spcPts val="450"/>
         </a:spcAft>
         <a:buClr>
           <a:schemeClr val="accent2"/>
@@ -3629,7 +3632,7 @@
         <a:buSzPct val="92000"/>
         <a:buFont typeface="Wingdings 2" panose="05020102010507070707" pitchFamily="18" charset="2"/>
         <a:buChar char=""/>
-        <a:defRPr sz="1200" kern="1200">
+        <a:defRPr sz="900" kern="1200">
           <a:solidFill>
             <a:schemeClr val="tx2"/>
           </a:solidFill>
@@ -3638,12 +3641,12 @@
           <a:cs typeface="+mn-cs"/>
         </a:defRPr>
       </a:lvl6pPr>
-      <a:lvl7pPr marL="2200000" indent="-228600" algn="l" defTabSz="457200" rtl="0" eaLnBrk="1" latinLnBrk="0" hangingPunct="1">
+      <a:lvl7pPr marL="1650000" indent="-171450" algn="l" defTabSz="342900" rtl="0" eaLnBrk="1" latinLnBrk="0" hangingPunct="1">
         <a:spcBef>
           <a:spcPct val="20000"/>
         </a:spcBef>
         <a:spcAft>
-          <a:spcPts val="600"/>
+          <a:spcPts val="450"/>
         </a:spcAft>
         <a:buClr>
           <a:schemeClr val="accent2"/>
@@ -3651,7 +3654,7 @@
         <a:buSzPct val="92000"/>
         <a:buFont typeface="Wingdings 2" panose="05020102010507070707" pitchFamily="18" charset="2"/>
         <a:buChar char=""/>
-        <a:defRPr sz="1200" kern="1200">
+        <a:defRPr sz="900" kern="1200">
           <a:solidFill>
             <a:schemeClr val="tx2"/>
           </a:solidFill>
@@ -3660,12 +3663,12 @@
           <a:cs typeface="+mn-cs"/>
         </a:defRPr>
       </a:lvl7pPr>
-      <a:lvl8pPr marL="2500000" indent="-228600" algn="l" defTabSz="457200" rtl="0" eaLnBrk="1" latinLnBrk="0" hangingPunct="1">
+      <a:lvl8pPr marL="1875000" indent="-171450" algn="l" defTabSz="342900" rtl="0" eaLnBrk="1" latinLnBrk="0" hangingPunct="1">
         <a:spcBef>
           <a:spcPct val="20000"/>
         </a:spcBef>
         <a:spcAft>
-          <a:spcPts val="600"/>
+          <a:spcPts val="450"/>
         </a:spcAft>
         <a:buClr>
           <a:schemeClr val="accent2"/>
@@ -3673,7 +3676,7 @@
         <a:buSzPct val="92000"/>
         <a:buFont typeface="Wingdings 2" panose="05020102010507070707" pitchFamily="18" charset="2"/>
         <a:buChar char=""/>
-        <a:defRPr sz="1200" kern="1200">
+        <a:defRPr sz="900" kern="1200">
           <a:solidFill>
             <a:schemeClr val="tx2"/>
           </a:solidFill>
@@ -3682,12 +3685,12 @@
           <a:cs typeface="+mn-cs"/>
         </a:defRPr>
       </a:lvl8pPr>
-      <a:lvl9pPr marL="2800000" indent="-228600" algn="l" defTabSz="457200" rtl="0" eaLnBrk="1" latinLnBrk="0" hangingPunct="1">
+      <a:lvl9pPr marL="2100000" indent="-171450" algn="l" defTabSz="342900" rtl="0" eaLnBrk="1" latinLnBrk="0" hangingPunct="1">
         <a:spcBef>
           <a:spcPct val="20000"/>
         </a:spcBef>
         <a:spcAft>
-          <a:spcPts val="600"/>
+          <a:spcPts val="450"/>
         </a:spcAft>
         <a:buClr>
           <a:schemeClr val="accent2"/>
@@ -3695,7 +3698,7 @@
         <a:buSzPct val="92000"/>
         <a:buFont typeface="Wingdings 2" panose="05020102010507070707" pitchFamily="18" charset="2"/>
         <a:buChar char=""/>
-        <a:defRPr sz="1200" kern="1200">
+        <a:defRPr sz="900" kern="1200">
           <a:solidFill>
             <a:schemeClr val="tx2"/>
           </a:solidFill>
@@ -3709,8 +3712,8 @@
       <a:defPPr>
         <a:defRPr lang="en-US"/>
       </a:defPPr>
-      <a:lvl1pPr marL="0" algn="l" defTabSz="457200" rtl="0" eaLnBrk="1" latinLnBrk="0" hangingPunct="1">
-        <a:defRPr sz="1800" kern="1200">
+      <a:lvl1pPr marL="0" algn="l" defTabSz="342900" rtl="0" eaLnBrk="1" latinLnBrk="0" hangingPunct="1">
+        <a:defRPr sz="1350" kern="1200">
           <a:solidFill>
             <a:schemeClr val="tx1"/>
           </a:solidFill>
@@ -3719,8 +3722,8 @@
           <a:cs typeface="+mn-cs"/>
         </a:defRPr>
       </a:lvl1pPr>
-      <a:lvl2pPr marL="457200" algn="l" defTabSz="457200" rtl="0" eaLnBrk="1" latinLnBrk="0" hangingPunct="1">
-        <a:defRPr sz="1800" kern="1200">
+      <a:lvl2pPr marL="342900" algn="l" defTabSz="342900" rtl="0" eaLnBrk="1" latinLnBrk="0" hangingPunct="1">
+        <a:defRPr sz="1350" kern="1200">
           <a:solidFill>
             <a:schemeClr val="tx1"/>
           </a:solidFill>
@@ -3729,8 +3732,8 @@
           <a:cs typeface="+mn-cs"/>
         </a:defRPr>
       </a:lvl2pPr>
-      <a:lvl3pPr marL="914400" algn="l" defTabSz="457200" rtl="0" eaLnBrk="1" latinLnBrk="0" hangingPunct="1">
-        <a:defRPr sz="1800" kern="1200">
+      <a:lvl3pPr marL="685800" algn="l" defTabSz="342900" rtl="0" eaLnBrk="1" latinLnBrk="0" hangingPunct="1">
+        <a:defRPr sz="1350" kern="1200">
           <a:solidFill>
             <a:schemeClr val="tx1"/>
           </a:solidFill>
@@ -3739,8 +3742,8 @@
           <a:cs typeface="+mn-cs"/>
         </a:defRPr>
       </a:lvl3pPr>
-      <a:lvl4pPr marL="1371600" algn="l" defTabSz="457200" rtl="0" eaLnBrk="1" latinLnBrk="0" hangingPunct="1">
-        <a:defRPr sz="1800" kern="1200">
+      <a:lvl4pPr marL="1028700" algn="l" defTabSz="342900" rtl="0" eaLnBrk="1" latinLnBrk="0" hangingPunct="1">
+        <a:defRPr sz="1350" kern="1200">
           <a:solidFill>
             <a:schemeClr val="tx1"/>
           </a:solidFill>
@@ -3749,8 +3752,8 @@
           <a:cs typeface="+mn-cs"/>
         </a:defRPr>
       </a:lvl4pPr>
-      <a:lvl5pPr marL="1828800" algn="l" defTabSz="457200" rtl="0" eaLnBrk="1" latinLnBrk="0" hangingPunct="1">
-        <a:defRPr sz="1800" kern="1200">
+      <a:lvl5pPr marL="1371600" algn="l" defTabSz="342900" rtl="0" eaLnBrk="1" latinLnBrk="0" hangingPunct="1">
+        <a:defRPr sz="1350" kern="1200">
           <a:solidFill>
             <a:schemeClr val="tx1"/>
           </a:solidFill>
@@ -3759,8 +3762,8 @@
           <a:cs typeface="+mn-cs"/>
         </a:defRPr>
       </a:lvl5pPr>
-      <a:lvl6pPr marL="2286000" algn="l" defTabSz="457200" rtl="0" eaLnBrk="1" latinLnBrk="0" hangingPunct="1">
-        <a:defRPr sz="1800" kern="1200">
+      <a:lvl6pPr marL="1714500" algn="l" defTabSz="342900" rtl="0" eaLnBrk="1" latinLnBrk="0" hangingPunct="1">
+        <a:defRPr sz="1350" kern="1200">
           <a:solidFill>
             <a:schemeClr val="tx1"/>
           </a:solidFill>
@@ -3769,8 +3772,8 @@
           <a:cs typeface="+mn-cs"/>
         </a:defRPr>
       </a:lvl6pPr>
-      <a:lvl7pPr marL="2743200" algn="l" defTabSz="457200" rtl="0" eaLnBrk="1" latinLnBrk="0" hangingPunct="1">
-        <a:defRPr sz="1800" kern="1200">
+      <a:lvl7pPr marL="2057400" algn="l" defTabSz="342900" rtl="0" eaLnBrk="1" latinLnBrk="0" hangingPunct="1">
+        <a:defRPr sz="1350" kern="1200">
           <a:solidFill>
             <a:schemeClr val="tx1"/>
           </a:solidFill>
@@ -3779,8 +3782,8 @@
           <a:cs typeface="+mn-cs"/>
         </a:defRPr>
       </a:lvl7pPr>
-      <a:lvl8pPr marL="3200400" algn="l" defTabSz="457200" rtl="0" eaLnBrk="1" latinLnBrk="0" hangingPunct="1">
-        <a:defRPr sz="1800" kern="1200">
+      <a:lvl8pPr marL="2400300" algn="l" defTabSz="342900" rtl="0" eaLnBrk="1" latinLnBrk="0" hangingPunct="1">
+        <a:defRPr sz="1350" kern="1200">
           <a:solidFill>
             <a:schemeClr val="tx1"/>
           </a:solidFill>
@@ -3789,8 +3792,8 @@
           <a:cs typeface="+mn-cs"/>
         </a:defRPr>
       </a:lvl8pPr>
-      <a:lvl9pPr marL="3657600" algn="l" defTabSz="457200" rtl="0" eaLnBrk="1" latinLnBrk="0" hangingPunct="1">
-        <a:defRPr sz="1800" kern="1200">
+      <a:lvl9pPr marL="2743200" algn="l" defTabSz="342900" rtl="0" eaLnBrk="1" latinLnBrk="0" hangingPunct="1">
+        <a:defRPr sz="1350" kern="1200">
           <a:solidFill>
             <a:schemeClr val="tx1"/>
           </a:solidFill>
@@ -3959,17 +3962,343 @@
               <a:t> </a:t>
             </a:r>
             <a:r>
-              <a:rPr lang="en-US" altLang="zh-CN" smtClean="0"/>
+              <a:rPr lang="en-US" altLang="zh-CN" dirty="0" smtClean="0"/>
               <a:t>Card</a:t>
             </a:r>
             <a:endParaRPr lang="en-US" dirty="0"/>
           </a:p>
         </p:txBody>
       </p:sp>
+      <p:pic>
+        <p:nvPicPr>
+          <p:cNvPr id="5" name="Picture 4"/>
+          <p:cNvPicPr>
+            <a:picLocks noChangeAspect="1"/>
+          </p:cNvPicPr>
+          <p:nvPr/>
+        </p:nvPicPr>
+        <p:blipFill>
+          <a:blip r:embed="rId2">
+            <a:extLst>
+              <a:ext uri="{28A0092B-C50C-407E-A947-70E740481C1C}">
+                <a14:useLocalDpi xmlns:a14="http://schemas.microsoft.com/office/drawing/2010/main" val="0"/>
+              </a:ext>
+            </a:extLst>
+          </a:blip>
+          <a:stretch>
+            <a:fillRect/>
+          </a:stretch>
+        </p:blipFill>
+        <p:spPr>
+          <a:xfrm>
+            <a:off x="3581400" y="2628900"/>
+            <a:ext cx="7429500" cy="2451100"/>
+          </a:xfrm>
+          <a:prstGeom prst="rect">
+            <a:avLst/>
+          </a:prstGeom>
+        </p:spPr>
+      </p:pic>
     </p:spTree>
     <p:extLst>
       <p:ext uri="{BB962C8B-B14F-4D97-AF65-F5344CB8AC3E}">
         <p14:creationId xmlns:p14="http://schemas.microsoft.com/office/powerpoint/2010/main" val="593722925"/>
+      </p:ext>
+    </p:extLst>
+  </p:cSld>
+  <p:clrMapOvr>
+    <a:masterClrMapping/>
+  </p:clrMapOvr>
+</p:sld>
+</file>
+
+<file path=ppt/slides/slide3.xml><?xml version="1.0" encoding="utf-8"?>
+<p:sld xmlns:a="http://schemas.openxmlformats.org/drawingml/2006/main" xmlns:r="http://schemas.openxmlformats.org/officeDocument/2006/relationships" xmlns:p="http://schemas.openxmlformats.org/presentationml/2006/main">
+  <p:cSld>
+    <p:spTree>
+      <p:nvGrpSpPr>
+        <p:cNvPr id="1" name=""/>
+        <p:cNvGrpSpPr/>
+        <p:nvPr/>
+      </p:nvGrpSpPr>
+      <p:grpSpPr>
+        <a:xfrm>
+          <a:off x="0" y="0"/>
+          <a:ext cx="0" cy="0"/>
+          <a:chOff x="0" y="0"/>
+          <a:chExt cx="0" cy="0"/>
+        </a:xfrm>
+      </p:grpSpPr>
+      <p:sp>
+        <p:nvSpPr>
+          <p:cNvPr id="2" name="Title 1"/>
+          <p:cNvSpPr>
+            <a:spLocks noGrp="1"/>
+          </p:cNvSpPr>
+          <p:nvPr>
+            <p:ph type="title"/>
+          </p:nvPr>
+        </p:nvSpPr>
+        <p:spPr/>
+        <p:txBody>
+          <a:bodyPr/>
+          <a:lstStyle/>
+          <a:p>
+            <a:r>
+              <a:rPr lang="en-US" altLang="zh-CN" dirty="0" smtClean="0"/>
+              <a:t>structure</a:t>
+            </a:r>
+            <a:endParaRPr lang="en-US" dirty="0"/>
+          </a:p>
+        </p:txBody>
+      </p:sp>
+      <p:pic>
+        <p:nvPicPr>
+          <p:cNvPr id="4" name="Content Placeholder 3"/>
+          <p:cNvPicPr>
+            <a:picLocks noGrp="1" noChangeAspect="1"/>
+          </p:cNvPicPr>
+          <p:nvPr>
+            <p:ph idx="1"/>
+          </p:nvPr>
+        </p:nvPicPr>
+        <p:blipFill>
+          <a:blip r:embed="rId2">
+            <a:extLst>
+              <a:ext uri="{28A0092B-C50C-407E-A947-70E740481C1C}">
+                <a14:useLocalDpi xmlns:a14="http://schemas.microsoft.com/office/drawing/2010/main" val="0"/>
+              </a:ext>
+            </a:extLst>
+          </a:blip>
+          <a:stretch>
+            <a:fillRect/>
+          </a:stretch>
+        </p:blipFill>
+        <p:spPr>
+          <a:xfrm>
+            <a:off x="2155031" y="2181225"/>
+            <a:ext cx="7881938" cy="3678238"/>
+          </a:xfrm>
+        </p:spPr>
+      </p:pic>
+    </p:spTree>
+    <p:extLst>
+      <p:ext uri="{BB962C8B-B14F-4D97-AF65-F5344CB8AC3E}">
+        <p14:creationId xmlns:p14="http://schemas.microsoft.com/office/powerpoint/2010/main" val="1453762324"/>
+      </p:ext>
+    </p:extLst>
+  </p:cSld>
+  <p:clrMapOvr>
+    <a:masterClrMapping/>
+  </p:clrMapOvr>
+</p:sld>
+</file>
+
+<file path=ppt/slides/slide4.xml><?xml version="1.0" encoding="utf-8"?>
+<p:sld xmlns:a="http://schemas.openxmlformats.org/drawingml/2006/main" xmlns:r="http://schemas.openxmlformats.org/officeDocument/2006/relationships" xmlns:p="http://schemas.openxmlformats.org/presentationml/2006/main">
+  <p:cSld>
+    <p:spTree>
+      <p:nvGrpSpPr>
+        <p:cNvPr id="1" name=""/>
+        <p:cNvGrpSpPr/>
+        <p:nvPr/>
+      </p:nvGrpSpPr>
+      <p:grpSpPr>
+        <a:xfrm>
+          <a:off x="0" y="0"/>
+          <a:ext cx="0" cy="0"/>
+          <a:chOff x="0" y="0"/>
+          <a:chExt cx="0" cy="0"/>
+        </a:xfrm>
+      </p:grpSpPr>
+      <p:sp>
+        <p:nvSpPr>
+          <p:cNvPr id="2" name="Title 1"/>
+          <p:cNvSpPr>
+            <a:spLocks noGrp="1"/>
+          </p:cNvSpPr>
+          <p:nvPr>
+            <p:ph type="title"/>
+          </p:nvPr>
+        </p:nvSpPr>
+        <p:spPr/>
+        <p:txBody>
+          <a:bodyPr/>
+          <a:lstStyle/>
+          <a:p>
+            <a:r>
+              <a:rPr lang="en-US" altLang="zh-CN" dirty="0" smtClean="0"/>
+              <a:t>Frontend</a:t>
+            </a:r>
+            <a:endParaRPr lang="en-US" dirty="0"/>
+          </a:p>
+        </p:txBody>
+      </p:sp>
+      <p:sp>
+        <p:nvSpPr>
+          <p:cNvPr id="3" name="Content Placeholder 2"/>
+          <p:cNvSpPr>
+            <a:spLocks noGrp="1"/>
+          </p:cNvSpPr>
+          <p:nvPr>
+            <p:ph idx="1"/>
+          </p:nvPr>
+        </p:nvSpPr>
+        <p:spPr/>
+        <p:txBody>
+          <a:bodyPr/>
+          <a:lstStyle/>
+          <a:p>
+            <a:endParaRPr lang="en-US"/>
+          </a:p>
+        </p:txBody>
+      </p:sp>
+      <p:pic>
+        <p:nvPicPr>
+          <p:cNvPr id="4" name="Picture 3"/>
+          <p:cNvPicPr>
+            <a:picLocks noChangeAspect="1"/>
+          </p:cNvPicPr>
+          <p:nvPr/>
+        </p:nvPicPr>
+        <p:blipFill>
+          <a:blip r:embed="rId2">
+            <a:extLst>
+              <a:ext uri="{28A0092B-C50C-407E-A947-70E740481C1C}">
+                <a14:useLocalDpi xmlns:a14="http://schemas.microsoft.com/office/drawing/2010/main" val="0"/>
+              </a:ext>
+            </a:extLst>
+          </a:blip>
+          <a:stretch>
+            <a:fillRect/>
+          </a:stretch>
+        </p:blipFill>
+        <p:spPr>
+          <a:xfrm>
+            <a:off x="3138488" y="1931856"/>
+            <a:ext cx="6067424" cy="4803779"/>
+          </a:xfrm>
+          <a:prstGeom prst="rect">
+            <a:avLst/>
+          </a:prstGeom>
+        </p:spPr>
+      </p:pic>
+    </p:spTree>
+    <p:extLst>
+      <p:ext uri="{BB962C8B-B14F-4D97-AF65-F5344CB8AC3E}">
+        <p14:creationId xmlns:p14="http://schemas.microsoft.com/office/powerpoint/2010/main" val="198629441"/>
+      </p:ext>
+    </p:extLst>
+  </p:cSld>
+  <p:clrMapOvr>
+    <a:masterClrMapping/>
+  </p:clrMapOvr>
+</p:sld>
+</file>
+
+<file path=ppt/slides/slide5.xml><?xml version="1.0" encoding="utf-8"?>
+<p:sld xmlns:a="http://schemas.openxmlformats.org/drawingml/2006/main" xmlns:r="http://schemas.openxmlformats.org/officeDocument/2006/relationships" xmlns:p="http://schemas.openxmlformats.org/presentationml/2006/main">
+  <p:cSld>
+    <p:spTree>
+      <p:nvGrpSpPr>
+        <p:cNvPr id="1" name=""/>
+        <p:cNvGrpSpPr/>
+        <p:nvPr/>
+      </p:nvGrpSpPr>
+      <p:grpSpPr>
+        <a:xfrm>
+          <a:off x="0" y="0"/>
+          <a:ext cx="0" cy="0"/>
+          <a:chOff x="0" y="0"/>
+          <a:chExt cx="0" cy="0"/>
+        </a:xfrm>
+      </p:grpSpPr>
+      <p:sp>
+        <p:nvSpPr>
+          <p:cNvPr id="2" name="Title 1"/>
+          <p:cNvSpPr>
+            <a:spLocks noGrp="1"/>
+          </p:cNvSpPr>
+          <p:nvPr>
+            <p:ph type="title"/>
+          </p:nvPr>
+        </p:nvSpPr>
+        <p:spPr/>
+        <p:txBody>
+          <a:bodyPr/>
+          <a:lstStyle/>
+          <a:p>
+            <a:r>
+              <a:rPr lang="en-US" altLang="zh-CN" dirty="0" smtClean="0"/>
+              <a:t>Backend</a:t>
+            </a:r>
+            <a:endParaRPr lang="en-US" dirty="0"/>
+          </a:p>
+        </p:txBody>
+      </p:sp>
+      <p:pic>
+        <p:nvPicPr>
+          <p:cNvPr id="4" name="Content Placeholder 3"/>
+          <p:cNvPicPr>
+            <a:picLocks noGrp="1" noChangeAspect="1"/>
+          </p:cNvPicPr>
+          <p:nvPr>
+            <p:ph idx="1"/>
+          </p:nvPr>
+        </p:nvPicPr>
+        <p:blipFill>
+          <a:blip r:embed="rId2">
+            <a:extLst>
+              <a:ext uri="{28A0092B-C50C-407E-A947-70E740481C1C}">
+                <a14:useLocalDpi xmlns:a14="http://schemas.microsoft.com/office/drawing/2010/main" val="0"/>
+              </a:ext>
+            </a:extLst>
+          </a:blip>
+          <a:stretch>
+            <a:fillRect/>
+          </a:stretch>
+        </p:blipFill>
+        <p:spPr>
+          <a:xfrm>
+            <a:off x="858589" y="2066925"/>
+            <a:ext cx="3865811" cy="4688806"/>
+          </a:xfrm>
+        </p:spPr>
+      </p:pic>
+      <p:pic>
+        <p:nvPicPr>
+          <p:cNvPr id="5" name="Picture 4"/>
+          <p:cNvPicPr>
+            <a:picLocks noChangeAspect="1"/>
+          </p:cNvPicPr>
+          <p:nvPr/>
+        </p:nvPicPr>
+        <p:blipFill>
+          <a:blip r:embed="rId3">
+            <a:extLst>
+              <a:ext uri="{28A0092B-C50C-407E-A947-70E740481C1C}">
+                <a14:useLocalDpi xmlns:a14="http://schemas.microsoft.com/office/drawing/2010/main" val="0"/>
+              </a:ext>
+            </a:extLst>
+          </a:blip>
+          <a:stretch>
+            <a:fillRect/>
+          </a:stretch>
+        </p:blipFill>
+        <p:spPr>
+          <a:xfrm>
+            <a:off x="5005405" y="2247231"/>
+            <a:ext cx="6217498" cy="4508500"/>
+          </a:xfrm>
+          <a:prstGeom prst="rect">
+            <a:avLst/>
+          </a:prstGeom>
+        </p:spPr>
+      </p:pic>
+    </p:spTree>
+    <p:extLst>
+      <p:ext uri="{BB962C8B-B14F-4D97-AF65-F5344CB8AC3E}">
+        <p14:creationId xmlns:p14="http://schemas.microsoft.com/office/powerpoint/2010/main" val="63701916"/>
       </p:ext>
     </p:extLst>
   </p:cSld>
